--- a/Upward Bound APR Data Analysis.pptx
+++ b/Upward Bound APR Data Analysis.pptx
@@ -5,7 +5,7 @@
     <p:sldMasterId id="2147483672" r:id="rId1"/>
   </p:sldMasterIdLst>
   <p:notesMasterIdLst>
-    <p:notesMasterId r:id="rId24"/>
+    <p:notesMasterId r:id="rId25"/>
   </p:notesMasterIdLst>
   <p:sldIdLst>
     <p:sldId id="256" r:id="rId2"/>
@@ -27,9 +27,10 @@
     <p:sldId id="278" r:id="rId18"/>
     <p:sldId id="274" r:id="rId19"/>
     <p:sldId id="266" r:id="rId20"/>
-    <p:sldId id="275" r:id="rId21"/>
-    <p:sldId id="272" r:id="rId22"/>
-    <p:sldId id="273" r:id="rId23"/>
+    <p:sldId id="272" r:id="rId21"/>
+    <p:sldId id="273" r:id="rId22"/>
+    <p:sldId id="279" r:id="rId23"/>
+    <p:sldId id="280" r:id="rId24"/>
   </p:sldIdLst>
   <p:sldSz cx="12192000" cy="6858000"/>
   <p:notesSz cx="6858000" cy="9144000"/>
@@ -244,7 +245,7 @@
           <a:p>
             <a:fld id="{077F2ADF-F360-4B46-84E5-7F2FF88515E0}" type="datetimeFigureOut">
               <a:rPr lang="en-US" smtClean="0"/>
-              <a:t>5/12/2020</a:t>
+              <a:t>5/18/2020</a:t>
             </a:fld>
             <a:endParaRPr lang="en-US"/>
           </a:p>
@@ -685,7 +686,7 @@
           <a:p>
             <a:fld id="{ECA76B25-957B-4F6F-979B-D32F7AFAAA08}" type="datetimeFigureOut">
               <a:rPr lang="en-US" smtClean="0"/>
-              <a:t>5/12/2020</a:t>
+              <a:t>5/18/2020</a:t>
             </a:fld>
             <a:endParaRPr lang="en-US"/>
           </a:p>
@@ -1015,7 +1016,7 @@
           <a:p>
             <a:fld id="{ECA76B25-957B-4F6F-979B-D32F7AFAAA08}" type="datetimeFigureOut">
               <a:rPr lang="en-US" smtClean="0"/>
-              <a:t>5/12/2020</a:t>
+              <a:t>5/18/2020</a:t>
             </a:fld>
             <a:endParaRPr lang="en-US"/>
           </a:p>
@@ -1195,7 +1196,7 @@
           <a:p>
             <a:fld id="{ECA76B25-957B-4F6F-979B-D32F7AFAAA08}" type="datetimeFigureOut">
               <a:rPr lang="en-US" smtClean="0"/>
-              <a:t>5/12/2020</a:t>
+              <a:t>5/18/2020</a:t>
             </a:fld>
             <a:endParaRPr lang="en-US"/>
           </a:p>
@@ -1365,7 +1366,7 @@
           <a:p>
             <a:fld id="{ECA76B25-957B-4F6F-979B-D32F7AFAAA08}" type="datetimeFigureOut">
               <a:rPr lang="en-US" smtClean="0"/>
-              <a:t>5/12/2020</a:t>
+              <a:t>5/18/2020</a:t>
             </a:fld>
             <a:endParaRPr lang="en-US"/>
           </a:p>
@@ -1642,7 +1643,7 @@
           <a:p>
             <a:fld id="{ECA76B25-957B-4F6F-979B-D32F7AFAAA08}" type="datetimeFigureOut">
               <a:rPr lang="en-US" smtClean="0"/>
-              <a:t>5/12/2020</a:t>
+              <a:t>5/18/2020</a:t>
             </a:fld>
             <a:endParaRPr lang="en-US"/>
           </a:p>
@@ -2036,7 +2037,7 @@
           <a:p>
             <a:fld id="{ECA76B25-957B-4F6F-979B-D32F7AFAAA08}" type="datetimeFigureOut">
               <a:rPr lang="en-US" smtClean="0"/>
-              <a:t>5/12/2020</a:t>
+              <a:t>5/18/2020</a:t>
             </a:fld>
             <a:endParaRPr lang="en-US"/>
           </a:p>
@@ -2513,7 +2514,7 @@
           <a:p>
             <a:fld id="{ECA76B25-957B-4F6F-979B-D32F7AFAAA08}" type="datetimeFigureOut">
               <a:rPr lang="en-US" smtClean="0"/>
-              <a:t>5/12/2020</a:t>
+              <a:t>5/18/2020</a:t>
             </a:fld>
             <a:endParaRPr lang="en-US"/>
           </a:p>
@@ -2631,7 +2632,7 @@
           <a:p>
             <a:fld id="{ECA76B25-957B-4F6F-979B-D32F7AFAAA08}" type="datetimeFigureOut">
               <a:rPr lang="en-US" smtClean="0"/>
-              <a:t>5/12/2020</a:t>
+              <a:t>5/18/2020</a:t>
             </a:fld>
             <a:endParaRPr lang="en-US"/>
           </a:p>
@@ -2726,7 +2727,7 @@
           <a:p>
             <a:fld id="{ECA76B25-957B-4F6F-979B-D32F7AFAAA08}" type="datetimeFigureOut">
               <a:rPr lang="en-US" smtClean="0"/>
-              <a:t>5/12/2020</a:t>
+              <a:t>5/18/2020</a:t>
             </a:fld>
             <a:endParaRPr lang="en-US"/>
           </a:p>
@@ -3072,7 +3073,7 @@
           <a:p>
             <a:fld id="{ECA76B25-957B-4F6F-979B-D32F7AFAAA08}" type="datetimeFigureOut">
               <a:rPr lang="en-US" smtClean="0"/>
-              <a:t>5/12/2020</a:t>
+              <a:t>5/18/2020</a:t>
             </a:fld>
             <a:endParaRPr lang="en-US"/>
           </a:p>
@@ -3460,7 +3461,7 @@
           <a:p>
             <a:fld id="{ECA76B25-957B-4F6F-979B-D32F7AFAAA08}" type="datetimeFigureOut">
               <a:rPr lang="en-US" smtClean="0"/>
-              <a:t>5/12/2020</a:t>
+              <a:t>5/18/2020</a:t>
             </a:fld>
             <a:endParaRPr lang="en-US"/>
           </a:p>
@@ -3738,7 +3739,7 @@
           <a:p>
             <a:fld id="{ECA76B25-957B-4F6F-979B-D32F7AFAAA08}" type="datetimeFigureOut">
               <a:rPr lang="en-US" smtClean="0"/>
-              <a:t>5/12/2020</a:t>
+              <a:t>5/18/2020</a:t>
             </a:fld>
             <a:endParaRPr lang="en-US"/>
           </a:p>
@@ -6117,11 +6118,96 @@
         </p:blipFill>
         <p:spPr>
           <a:xfrm>
-            <a:off x="4681713" y="2493818"/>
+            <a:off x="4756527" y="2543694"/>
             <a:ext cx="5857175" cy="3581400"/>
           </a:xfrm>
         </p:spPr>
       </p:pic>
+      <p:sp>
+        <p:nvSpPr>
+          <p:cNvPr id="3" name="Oval 2"/>
+          <p:cNvSpPr/>
+          <p:nvPr/>
+        </p:nvSpPr>
+        <p:spPr>
+          <a:xfrm>
+            <a:off x="8703425" y="3582785"/>
+            <a:ext cx="1321724" cy="1828800"/>
+          </a:xfrm>
+          <a:prstGeom prst="ellipse">
+            <a:avLst/>
+          </a:prstGeom>
+          <a:noFill/>
+        </p:spPr>
+        <p:style>
+          <a:lnRef idx="2">
+            <a:schemeClr val="accent1">
+              <a:shade val="50000"/>
+            </a:schemeClr>
+          </a:lnRef>
+          <a:fillRef idx="1">
+            <a:schemeClr val="accent1"/>
+          </a:fillRef>
+          <a:effectRef idx="0">
+            <a:schemeClr val="accent1"/>
+          </a:effectRef>
+          <a:fontRef idx="minor">
+            <a:schemeClr val="lt1"/>
+          </a:fontRef>
+        </p:style>
+        <p:txBody>
+          <a:bodyPr rtlCol="0" anchor="ctr"/>
+          <a:lstStyle/>
+          <a:p>
+            <a:pPr algn="ctr"/>
+            <a:endParaRPr lang="en-US"/>
+          </a:p>
+        </p:txBody>
+      </p:sp>
+      <p:sp>
+        <p:nvSpPr>
+          <p:cNvPr id="5" name="TextBox 4"/>
+          <p:cNvSpPr txBox="1"/>
+          <p:nvPr/>
+        </p:nvSpPr>
+        <p:spPr>
+          <a:xfrm>
+            <a:off x="1180407" y="2776450"/>
+            <a:ext cx="3133898" cy="646331"/>
+          </a:xfrm>
+          <a:prstGeom prst="rect">
+            <a:avLst/>
+          </a:prstGeom>
+        </p:spPr>
+        <p:style>
+          <a:lnRef idx="2">
+            <a:schemeClr val="dk1"/>
+          </a:lnRef>
+          <a:fillRef idx="1">
+            <a:schemeClr val="lt1"/>
+          </a:fillRef>
+          <a:effectRef idx="0">
+            <a:schemeClr val="dk1"/>
+          </a:effectRef>
+          <a:fontRef idx="minor">
+            <a:schemeClr val="dk1"/>
+          </a:fontRef>
+        </p:style>
+        <p:txBody>
+          <a:bodyPr wrap="square" rtlCol="0">
+            <a:spAutoFit/>
+          </a:bodyPr>
+          <a:lstStyle/>
+          <a:p>
+            <a:pPr algn="ctr"/>
+            <a:r>
+              <a:rPr lang="en-US" b="1" dirty="0" smtClean="0"/>
+              <a:t>Contact Type is more significant than Hours</a:t>
+            </a:r>
+            <a:endParaRPr lang="en-US" b="1" dirty="0"/>
+          </a:p>
+        </p:txBody>
+      </p:sp>
     </p:spTree>
     <p:extLst>
       <p:ext uri="{BB962C8B-B14F-4D97-AF65-F5344CB8AC3E}">
@@ -6482,40 +6568,52 @@
         </p:nvSpPr>
         <p:spPr/>
         <p:txBody>
+          <a:bodyPr>
+            <a:normAutofit fontScale="90000"/>
+          </a:bodyPr>
+          <a:lstStyle/>
+          <a:p>
+            <a:r>
+              <a:rPr lang="en-US" dirty="0" smtClean="0"/>
+              <a:t>Can we predict the success of our students based on our program activities?</a:t>
+            </a:r>
+            <a:endParaRPr lang="en-US" dirty="0"/>
+          </a:p>
+        </p:txBody>
+      </p:sp>
+      <p:sp>
+        <p:nvSpPr>
+          <p:cNvPr id="3" name="Content Placeholder 2"/>
+          <p:cNvSpPr>
+            <a:spLocks noGrp="1"/>
+          </p:cNvSpPr>
+          <p:nvPr>
+            <p:ph idx="1"/>
+          </p:nvPr>
+        </p:nvSpPr>
+        <p:spPr/>
+        <p:txBody>
           <a:bodyPr/>
           <a:lstStyle/>
           <a:p>
             <a:r>
               <a:rPr lang="en-US" dirty="0" smtClean="0"/>
-              <a:t>Student Academic Progress</a:t>
+              <a:t>Yes, possibly but we need more than just contacts to meet objectives. </a:t>
+            </a:r>
+          </a:p>
+          <a:p>
+            <a:r>
+              <a:rPr lang="en-US" dirty="0" smtClean="0"/>
+              <a:t>As we meet 1 objective, more objectives follow suit. Due to their strong relationship to each other.</a:t>
             </a:r>
             <a:endParaRPr lang="en-US" dirty="0"/>
-          </a:p>
-        </p:txBody>
-      </p:sp>
-      <p:sp>
-        <p:nvSpPr>
-          <p:cNvPr id="3" name="Content Placeholder 2"/>
-          <p:cNvSpPr>
-            <a:spLocks noGrp="1"/>
-          </p:cNvSpPr>
-          <p:nvPr>
-            <p:ph idx="1"/>
-          </p:nvPr>
-        </p:nvSpPr>
-        <p:spPr/>
-        <p:txBody>
-          <a:bodyPr/>
-          <a:lstStyle/>
-          <a:p>
-            <a:endParaRPr lang="en-US"/>
           </a:p>
         </p:txBody>
       </p:sp>
     </p:spTree>
     <p:extLst>
       <p:ext uri="{BB962C8B-B14F-4D97-AF65-F5344CB8AC3E}">
-        <p14:creationId xmlns:p14="http://schemas.microsoft.com/office/powerpoint/2010/main" val="628177353"/>
+        <p14:creationId xmlns:p14="http://schemas.microsoft.com/office/powerpoint/2010/main" val="1035081345"/>
       </p:ext>
     </p:extLst>
   </p:cSld>
@@ -6554,44 +6652,114 @@
         </p:nvSpPr>
         <p:spPr/>
         <p:txBody>
+          <a:bodyPr/>
+          <a:lstStyle/>
+          <a:p>
+            <a:r>
+              <a:rPr lang="en-US" dirty="0" smtClean="0"/>
+              <a:t>Conclusions</a:t>
+            </a:r>
+            <a:endParaRPr lang="en-US" dirty="0"/>
+          </a:p>
+        </p:txBody>
+      </p:sp>
+      <p:sp>
+        <p:nvSpPr>
+          <p:cNvPr id="3" name="Content Placeholder 2"/>
+          <p:cNvSpPr>
+            <a:spLocks noGrp="1"/>
+          </p:cNvSpPr>
+          <p:nvPr>
+            <p:ph idx="1"/>
+          </p:nvPr>
+        </p:nvSpPr>
+        <p:spPr>
+          <a:xfrm>
+            <a:off x="1371600" y="1787237"/>
+            <a:ext cx="9601200" cy="3882044"/>
+          </a:xfrm>
+        </p:spPr>
+        <p:txBody>
           <a:bodyPr>
-            <a:normAutofit fontScale="90000"/>
+            <a:normAutofit fontScale="85000" lnSpcReduction="20000"/>
           </a:bodyPr>
           <a:lstStyle/>
           <a:p>
             <a:r>
               <a:rPr lang="en-US" dirty="0" smtClean="0"/>
-              <a:t>Can we predict the success of our students based on our program activities?</a:t>
-            </a:r>
-            <a:endParaRPr lang="en-US" dirty="0"/>
-          </a:p>
-        </p:txBody>
-      </p:sp>
-      <p:sp>
-        <p:nvSpPr>
-          <p:cNvPr id="3" name="Content Placeholder 2"/>
-          <p:cNvSpPr>
-            <a:spLocks noGrp="1"/>
-          </p:cNvSpPr>
-          <p:nvPr>
-            <p:ph idx="1"/>
-          </p:nvPr>
-        </p:nvSpPr>
-        <p:spPr/>
-        <p:txBody>
-          <a:bodyPr/>
-          <a:lstStyle/>
-          <a:p>
+              <a:t>The small sample size should be taken into consideration</a:t>
+            </a:r>
+          </a:p>
+          <a:p>
+            <a:pPr lvl="1"/>
             <a:r>
               <a:rPr lang="en-US" dirty="0" smtClean="0"/>
-              <a:t>Yes, possibly but we need more than just contacts to meet objectives. </a:t>
-            </a:r>
-          </a:p>
-          <a:p>
+              <a:t>But meeting the assumptions of homogeneity suggest that there is a lack of </a:t>
+            </a:r>
+            <a:r>
+              <a:rPr lang="en-US" dirty="0" err="1" smtClean="0"/>
+              <a:t>multicolinearity</a:t>
+            </a:r>
             <a:r>
               <a:rPr lang="en-US" dirty="0" smtClean="0"/>
-              <a:t>As we meet 1 objective, more objectives follow suit. Due to their strong relationship to each other.</a:t>
-            </a:r>
+              <a:t> and therefore we can assume that sample size is not as much of an issue as you might think</a:t>
+            </a:r>
+          </a:p>
+          <a:p>
+            <a:r>
+              <a:rPr lang="en-US" dirty="0" smtClean="0"/>
+              <a:t>GPA variance non existent</a:t>
+            </a:r>
+          </a:p>
+          <a:p>
+            <a:pPr lvl="1"/>
+            <a:r>
+              <a:rPr lang="en-US" dirty="0" smtClean="0"/>
+              <a:t>This seems so strange to me, maybe if we collected semester GPA data we would see more change in this. </a:t>
+            </a:r>
+          </a:p>
+          <a:p>
+            <a:r>
+              <a:rPr lang="en-US" dirty="0" smtClean="0"/>
+              <a:t>Contact Type is more significant indicator of postsecondary enrollment than Hours. This could mean that the specific activity has more weight than the time spent on that activity.</a:t>
+            </a:r>
+          </a:p>
+          <a:p>
+            <a:r>
+              <a:rPr lang="en-US" dirty="0" smtClean="0"/>
+              <a:t>By </a:t>
+            </a:r>
+            <a:r>
+              <a:rPr lang="en-US" dirty="0" smtClean="0"/>
+              <a:t>combining Contact Type data with Rigorous Study, we can successfully predict Post Secondary Enrollment. This places an importance on program participation and A-G Completion in order to achieve Post Secondary Enrollment. And due to fact that Rigorous Study by itself is not a significant predictor value for Post Secondary Enrollment we can also conclude that Contacts are a valuable component</a:t>
+            </a:r>
+          </a:p>
+          <a:p>
+            <a:pPr lvl="1"/>
+            <a:r>
+              <a:rPr lang="en-US" dirty="0" smtClean="0"/>
+              <a:t>Questions still remain on which contacts are most important.</a:t>
+            </a:r>
+          </a:p>
+          <a:p>
+            <a:pPr lvl="1"/>
+            <a:r>
+              <a:rPr lang="en-US" dirty="0" smtClean="0"/>
+              <a:t>Further analysis could reveal an answer to this question</a:t>
+            </a:r>
+          </a:p>
+          <a:p>
+            <a:pPr lvl="1"/>
+            <a:endParaRPr lang="en-US" dirty="0" smtClean="0"/>
+          </a:p>
+          <a:p>
+            <a:pPr lvl="1"/>
+            <a:endParaRPr lang="en-US" dirty="0" smtClean="0"/>
+          </a:p>
+          <a:p>
+            <a:pPr marL="530352" lvl="1" indent="0">
+              <a:buNone/>
+            </a:pPr>
             <a:endParaRPr lang="en-US" dirty="0"/>
           </a:p>
         </p:txBody>
@@ -6599,7 +6767,7 @@
     </p:spTree>
     <p:extLst>
       <p:ext uri="{BB962C8B-B14F-4D97-AF65-F5344CB8AC3E}">
-        <p14:creationId xmlns:p14="http://schemas.microsoft.com/office/powerpoint/2010/main" val="1035081345"/>
+        <p14:creationId xmlns:p14="http://schemas.microsoft.com/office/powerpoint/2010/main" val="945557374"/>
       </p:ext>
     </p:extLst>
   </p:cSld>
@@ -6643,7 +6811,7 @@
           <a:p>
             <a:r>
               <a:rPr lang="en-US" dirty="0" smtClean="0"/>
-              <a:t>Conclusions</a:t>
+              <a:t>Recommendations for Data Collection</a:t>
             </a:r>
             <a:endParaRPr lang="en-US" dirty="0"/>
           </a:p>
@@ -6659,96 +6827,41 @@
             <p:ph idx="1"/>
           </p:nvPr>
         </p:nvSpPr>
-        <p:spPr>
-          <a:xfrm>
-            <a:off x="1371600" y="1787237"/>
-            <a:ext cx="9601200" cy="3882044"/>
-          </a:xfrm>
-        </p:spPr>
-        <p:txBody>
-          <a:bodyPr>
-            <a:normAutofit fontScale="92500" lnSpcReduction="20000"/>
-          </a:bodyPr>
+        <p:spPr/>
+        <p:txBody>
+          <a:bodyPr/>
           <a:lstStyle/>
           <a:p>
             <a:r>
               <a:rPr lang="en-US" dirty="0" smtClean="0"/>
-              <a:t>The small sample size </a:t>
-            </a:r>
+              <a:t>A-G on track status (UC and CSU)</a:t>
+            </a:r>
+          </a:p>
+          <a:p>
             <a:r>
               <a:rPr lang="en-US" dirty="0" smtClean="0"/>
-              <a:t>should be </a:t>
-            </a:r>
+              <a:t>Student Intent on Post-Secondary Enrollment</a:t>
+            </a:r>
+          </a:p>
+          <a:p>
             <a:r>
               <a:rPr lang="en-US" dirty="0" smtClean="0"/>
-              <a:t>taken into </a:t>
-            </a:r>
+              <a:t>Intended Major in College</a:t>
+            </a:r>
+          </a:p>
+          <a:p>
             <a:r>
               <a:rPr lang="en-US" dirty="0" smtClean="0"/>
-              <a:t>consideration</a:t>
-            </a:r>
-          </a:p>
-          <a:p>
-            <a:pPr lvl="1"/>
+              <a:t>Semester GPA</a:t>
+            </a:r>
+          </a:p>
+          <a:p>
             <a:r>
               <a:rPr lang="en-US" dirty="0" smtClean="0"/>
-              <a:t>But meeting the assumptions of homogeneity suggest that there is a lack of </a:t>
-            </a:r>
-            <a:r>
-              <a:rPr lang="en-US" dirty="0" err="1" smtClean="0"/>
-              <a:t>multicolinearity</a:t>
-            </a:r>
-            <a:r>
-              <a:rPr lang="en-US" dirty="0" smtClean="0"/>
-              <a:t> and therefore we can assume that sample size is not as much of an issue as you might think</a:t>
-            </a:r>
-          </a:p>
-          <a:p>
-            <a:r>
-              <a:rPr lang="en-US" dirty="0" smtClean="0"/>
-              <a:t>GPA variance non existent</a:t>
-            </a:r>
-          </a:p>
-          <a:p>
-            <a:pPr lvl="1"/>
-            <a:r>
-              <a:rPr lang="en-US" dirty="0" smtClean="0"/>
-              <a:t>This seems so strange to me, maybe if we collected semester GPA data we would see more change in this. </a:t>
-            </a:r>
-            <a:endParaRPr lang="en-US" dirty="0" smtClean="0"/>
-          </a:p>
-          <a:p>
-            <a:r>
-              <a:rPr lang="en-US" dirty="0" smtClean="0"/>
-              <a:t>By combining Contact Type data with Rigorous Study, we can successfully predict Post Secondary Enrollment. This places an importance on program participation and A-G Completion in order to achieve Post Secondary Enrollment. And due to fact that Rigorous Study by itself is not a significant predictor value for Post Secondary Enrollment we can also conclude that Contacts are a valuable component</a:t>
-            </a:r>
-          </a:p>
-          <a:p>
-            <a:pPr lvl="1"/>
-            <a:r>
-              <a:rPr lang="en-US" dirty="0" smtClean="0"/>
-              <a:t>Questions still remain on which contacts are most important.</a:t>
-            </a:r>
-          </a:p>
-          <a:p>
-            <a:pPr lvl="1"/>
-            <a:r>
-              <a:rPr lang="en-US" dirty="0" smtClean="0"/>
-              <a:t>Further analysis could reveal an answer to this question</a:t>
-            </a:r>
-          </a:p>
-          <a:p>
-            <a:pPr lvl="1"/>
-            <a:endParaRPr lang="en-US" dirty="0" smtClean="0"/>
-          </a:p>
-          <a:p>
-            <a:pPr lvl="1"/>
-            <a:endParaRPr lang="en-US" dirty="0" smtClean="0"/>
-          </a:p>
-          <a:p>
-            <a:pPr marL="530352" lvl="1" indent="0">
-              <a:buNone/>
-            </a:pPr>
+              <a:t>Work study student participants</a:t>
+            </a:r>
+          </a:p>
+          <a:p>
             <a:endParaRPr lang="en-US" dirty="0"/>
           </a:p>
         </p:txBody>
@@ -6756,7 +6869,90 @@
     </p:spTree>
     <p:extLst>
       <p:ext uri="{BB962C8B-B14F-4D97-AF65-F5344CB8AC3E}">
-        <p14:creationId xmlns:p14="http://schemas.microsoft.com/office/powerpoint/2010/main" val="945557374"/>
+        <p14:creationId xmlns:p14="http://schemas.microsoft.com/office/powerpoint/2010/main" val="4095326387"/>
+      </p:ext>
+    </p:extLst>
+  </p:cSld>
+  <p:clrMapOvr>
+    <a:masterClrMapping/>
+  </p:clrMapOvr>
+</p:sld>
+</file>
+
+<file path=ppt/slides/slide23.xml><?xml version="1.0" encoding="utf-8"?>
+<p:sld xmlns:a="http://schemas.openxmlformats.org/drawingml/2006/main" xmlns:r="http://schemas.openxmlformats.org/officeDocument/2006/relationships" xmlns:p="http://schemas.openxmlformats.org/presentationml/2006/main">
+  <p:cSld>
+    <p:spTree>
+      <p:nvGrpSpPr>
+        <p:cNvPr id="1" name=""/>
+        <p:cNvGrpSpPr/>
+        <p:nvPr/>
+      </p:nvGrpSpPr>
+      <p:grpSpPr>
+        <a:xfrm>
+          <a:off x="0" y="0"/>
+          <a:ext cx="0" cy="0"/>
+          <a:chOff x="0" y="0"/>
+          <a:chExt cx="0" cy="0"/>
+        </a:xfrm>
+      </p:grpSpPr>
+      <p:sp>
+        <p:nvSpPr>
+          <p:cNvPr id="2" name="Title 1"/>
+          <p:cNvSpPr>
+            <a:spLocks noGrp="1"/>
+          </p:cNvSpPr>
+          <p:nvPr>
+            <p:ph type="title"/>
+          </p:nvPr>
+        </p:nvSpPr>
+        <p:spPr/>
+        <p:txBody>
+          <a:bodyPr/>
+          <a:lstStyle/>
+          <a:p>
+            <a:r>
+              <a:rPr lang="en-US" dirty="0" smtClean="0"/>
+              <a:t>Future Analysis</a:t>
+            </a:r>
+            <a:endParaRPr lang="en-US" dirty="0"/>
+          </a:p>
+        </p:txBody>
+      </p:sp>
+      <p:sp>
+        <p:nvSpPr>
+          <p:cNvPr id="3" name="Content Placeholder 2"/>
+          <p:cNvSpPr>
+            <a:spLocks noGrp="1"/>
+          </p:cNvSpPr>
+          <p:nvPr>
+            <p:ph idx="1"/>
+          </p:nvPr>
+        </p:nvSpPr>
+        <p:spPr/>
+        <p:txBody>
+          <a:bodyPr/>
+          <a:lstStyle/>
+          <a:p>
+            <a:r>
+              <a:rPr lang="en-US" dirty="0" smtClean="0"/>
+              <a:t>Take a deeper look at contact types. Could create a new variable for each group or run feature importance.</a:t>
+            </a:r>
+          </a:p>
+          <a:p>
+            <a:pPr lvl="1"/>
+            <a:r>
+              <a:rPr lang="en-US" dirty="0" smtClean="0"/>
+              <a:t>Which contact types play the most significant role in predicting Post-Secondary Enrollment?</a:t>
+            </a:r>
+            <a:endParaRPr lang="en-US" dirty="0"/>
+          </a:p>
+        </p:txBody>
+      </p:sp>
+    </p:spTree>
+    <p:extLst>
+      <p:ext uri="{BB962C8B-B14F-4D97-AF65-F5344CB8AC3E}">
+        <p14:creationId xmlns:p14="http://schemas.microsoft.com/office/powerpoint/2010/main" val="636685131"/>
       </p:ext>
     </p:extLst>
   </p:cSld>
